--- a/tgp powerpoint.pptx
+++ b/tgp powerpoint.pptx
@@ -5,12 +5,15 @@
     <p:sldMasterId id="2147483885" r:id="rId1"/>
   </p:sldMasterIdLst>
   <p:sldIdLst>
-    <p:sldId id="260" r:id="rId2"/>
-    <p:sldId id="262" r:id="rId3"/>
-    <p:sldId id="261" r:id="rId4"/>
-    <p:sldId id="257" r:id="rId5"/>
-    <p:sldId id="258" r:id="rId6"/>
-    <p:sldId id="259" r:id="rId7"/>
+    <p:sldId id="266" r:id="rId2"/>
+    <p:sldId id="265" r:id="rId3"/>
+    <p:sldId id="262" r:id="rId4"/>
+    <p:sldId id="260" r:id="rId5"/>
+    <p:sldId id="259" r:id="rId6"/>
+    <p:sldId id="261" r:id="rId7"/>
+    <p:sldId id="257" r:id="rId8"/>
+    <p:sldId id="258" r:id="rId9"/>
+    <p:sldId id="264" r:id="rId10"/>
   </p:sldIdLst>
   <p:sldSz cx="12192000" cy="6858000"/>
   <p:notesSz cx="6858000" cy="9144000"/>
@@ -109,6 +112,11 @@
       </a:defRPr>
     </a:lvl9pPr>
   </p:defaultTextStyle>
+  <p:extLst>
+    <p:ext uri="{EFAFB233-063F-42B5-8137-9DF3F51BA10A}">
+      <p15:sldGuideLst xmlns:p15="http://schemas.microsoft.com/office/powerpoint/2012/main"/>
+    </p:ext>
+  </p:extLst>
 </p:presentation>
 </file>
 
@@ -298,7 +306,7 @@
           <a:p>
             <a:fld id="{6781D6B9-A2A8-49BE-99F2-F20438EE95EB}" type="datetimeFigureOut">
               <a:rPr lang="en-US" smtClean="0"/>
-              <a:t>3/21/2017</a:t>
+              <a:t>3/28/2017</a:t>
             </a:fld>
             <a:endParaRPr lang="en-US"/>
           </a:p>
@@ -573,7 +581,7 @@
           <a:p>
             <a:fld id="{6781D6B9-A2A8-49BE-99F2-F20438EE95EB}" type="datetimeFigureOut">
               <a:rPr lang="en-US" smtClean="0"/>
-              <a:t>3/21/2017</a:t>
+              <a:t>3/28/2017</a:t>
             </a:fld>
             <a:endParaRPr lang="en-US"/>
           </a:p>
@@ -767,7 +775,7 @@
           <a:p>
             <a:fld id="{6781D6B9-A2A8-49BE-99F2-F20438EE95EB}" type="datetimeFigureOut">
               <a:rPr lang="en-US" smtClean="0"/>
-              <a:t>3/21/2017</a:t>
+              <a:t>3/28/2017</a:t>
             </a:fld>
             <a:endParaRPr lang="en-US"/>
           </a:p>
@@ -1038,7 +1046,7 @@
           <a:p>
             <a:fld id="{6781D6B9-A2A8-49BE-99F2-F20438EE95EB}" type="datetimeFigureOut">
               <a:rPr lang="en-US" smtClean="0"/>
-              <a:t>3/21/2017</a:t>
+              <a:t>3/28/2017</a:t>
             </a:fld>
             <a:endParaRPr lang="en-US"/>
           </a:p>
@@ -1365,7 +1373,7 @@
           <a:p>
             <a:fld id="{6781D6B9-A2A8-49BE-99F2-F20438EE95EB}" type="datetimeFigureOut">
               <a:rPr lang="en-US" smtClean="0"/>
-              <a:t>3/21/2017</a:t>
+              <a:t>3/28/2017</a:t>
             </a:fld>
             <a:endParaRPr lang="en-US"/>
           </a:p>
@@ -1984,7 +1992,7 @@
           <a:p>
             <a:fld id="{6781D6B9-A2A8-49BE-99F2-F20438EE95EB}" type="datetimeFigureOut">
               <a:rPr lang="en-US" smtClean="0"/>
-              <a:t>3/21/2017</a:t>
+              <a:t>3/28/2017</a:t>
             </a:fld>
             <a:endParaRPr lang="en-US"/>
           </a:p>
@@ -2831,7 +2839,7 @@
           <a:p>
             <a:fld id="{6781D6B9-A2A8-49BE-99F2-F20438EE95EB}" type="datetimeFigureOut">
               <a:rPr lang="en-US" smtClean="0"/>
-              <a:t>3/21/2017</a:t>
+              <a:t>3/28/2017</a:t>
             </a:fld>
             <a:endParaRPr lang="en-US"/>
           </a:p>
@@ -3001,7 +3009,7 @@
           <a:p>
             <a:fld id="{6781D6B9-A2A8-49BE-99F2-F20438EE95EB}" type="datetimeFigureOut">
               <a:rPr lang="en-US" smtClean="0"/>
-              <a:t>3/21/2017</a:t>
+              <a:t>3/28/2017</a:t>
             </a:fld>
             <a:endParaRPr lang="en-US"/>
           </a:p>
@@ -3181,7 +3189,7 @@
           <a:p>
             <a:fld id="{6781D6B9-A2A8-49BE-99F2-F20438EE95EB}" type="datetimeFigureOut">
               <a:rPr lang="en-US" smtClean="0"/>
-              <a:t>3/21/2017</a:t>
+              <a:t>3/28/2017</a:t>
             </a:fld>
             <a:endParaRPr lang="en-US"/>
           </a:p>
@@ -3351,7 +3359,7 @@
           <a:p>
             <a:fld id="{6781D6B9-A2A8-49BE-99F2-F20438EE95EB}" type="datetimeFigureOut">
               <a:rPr lang="en-US" smtClean="0"/>
-              <a:t>3/21/2017</a:t>
+              <a:t>3/28/2017</a:t>
             </a:fld>
             <a:endParaRPr lang="en-US"/>
           </a:p>
@@ -3598,7 +3606,7 @@
           <a:p>
             <a:fld id="{6781D6B9-A2A8-49BE-99F2-F20438EE95EB}" type="datetimeFigureOut">
               <a:rPr lang="en-US" smtClean="0"/>
-              <a:t>3/21/2017</a:t>
+              <a:t>3/28/2017</a:t>
             </a:fld>
             <a:endParaRPr lang="en-US"/>
           </a:p>
@@ -3890,7 +3898,7 @@
           <a:p>
             <a:fld id="{6781D6B9-A2A8-49BE-99F2-F20438EE95EB}" type="datetimeFigureOut">
               <a:rPr lang="en-US" smtClean="0"/>
-              <a:t>3/21/2017</a:t>
+              <a:t>3/28/2017</a:t>
             </a:fld>
             <a:endParaRPr lang="en-US"/>
           </a:p>
@@ -4334,7 +4342,7 @@
           <a:p>
             <a:fld id="{6781D6B9-A2A8-49BE-99F2-F20438EE95EB}" type="datetimeFigureOut">
               <a:rPr lang="en-US" smtClean="0"/>
-              <a:t>3/21/2017</a:t>
+              <a:t>3/28/2017</a:t>
             </a:fld>
             <a:endParaRPr lang="en-US"/>
           </a:p>
@@ -4452,7 +4460,7 @@
           <a:p>
             <a:fld id="{6781D6B9-A2A8-49BE-99F2-F20438EE95EB}" type="datetimeFigureOut">
               <a:rPr lang="en-US" smtClean="0"/>
-              <a:t>3/21/2017</a:t>
+              <a:t>3/28/2017</a:t>
             </a:fld>
             <a:endParaRPr lang="en-US"/>
           </a:p>
@@ -4547,7 +4555,7 @@
           <a:p>
             <a:fld id="{6781D6B9-A2A8-49BE-99F2-F20438EE95EB}" type="datetimeFigureOut">
               <a:rPr lang="en-US" smtClean="0"/>
-              <a:t>3/21/2017</a:t>
+              <a:t>3/28/2017</a:t>
             </a:fld>
             <a:endParaRPr lang="en-US"/>
           </a:p>
@@ -4826,7 +4834,7 @@
           <a:p>
             <a:fld id="{6781D6B9-A2A8-49BE-99F2-F20438EE95EB}" type="datetimeFigureOut">
               <a:rPr lang="en-US" smtClean="0"/>
-              <a:t>3/21/2017</a:t>
+              <a:t>3/28/2017</a:t>
             </a:fld>
             <a:endParaRPr lang="en-US"/>
           </a:p>
@@ -5101,7 +5109,7 @@
           <a:p>
             <a:fld id="{6781D6B9-A2A8-49BE-99F2-F20438EE95EB}" type="datetimeFigureOut">
               <a:rPr lang="en-US" smtClean="0"/>
-              <a:t>3/21/2017</a:t>
+              <a:t>3/28/2017</a:t>
             </a:fld>
             <a:endParaRPr lang="en-US"/>
           </a:p>
@@ -5524,7 +5532,7 @@
           <a:p>
             <a:fld id="{6781D6B9-A2A8-49BE-99F2-F20438EE95EB}" type="datetimeFigureOut">
               <a:rPr lang="en-US" smtClean="0"/>
-              <a:t>3/21/2017</a:t>
+              <a:t>3/28/2017</a:t>
             </a:fld>
             <a:endParaRPr lang="en-US"/>
           </a:p>
@@ -6054,12 +6062,12 @@
       </p:grpSpPr>
       <p:sp>
         <p:nvSpPr>
-          <p:cNvPr id="2" name="Title 1"/>
-          <p:cNvSpPr>
-            <a:spLocks noGrp="1"/>
-          </p:cNvSpPr>
-          <p:nvPr>
-            <p:ph type="title"/>
+          <p:cNvPr id="4" name="Title 3"/>
+          <p:cNvSpPr>
+            <a:spLocks noGrp="1"/>
+          </p:cNvSpPr>
+          <p:nvPr>
+            <p:ph type="ctrTitle"/>
           </p:nvPr>
         </p:nvSpPr>
         <p:spPr/>
@@ -6069,7 +6077,7 @@
           <a:p>
             <a:r>
               <a:rPr lang="en-GB" dirty="0" smtClean="0"/>
-              <a:t>Target Audience </a:t>
+              <a:t>Learning quest </a:t>
             </a:r>
             <a:endParaRPr lang="en-US" dirty="0"/>
           </a:p>
@@ -6077,12 +6085,12 @@
       </p:sp>
       <p:sp>
         <p:nvSpPr>
-          <p:cNvPr id="3" name="Content Placeholder 2"/>
-          <p:cNvSpPr>
-            <a:spLocks noGrp="1"/>
-          </p:cNvSpPr>
-          <p:nvPr>
-            <p:ph idx="1"/>
+          <p:cNvPr id="5" name="Subtitle 4"/>
+          <p:cNvSpPr>
+            <a:spLocks noGrp="1"/>
+          </p:cNvSpPr>
+          <p:nvPr>
+            <p:ph type="subTitle" idx="1"/>
           </p:nvPr>
         </p:nvSpPr>
         <p:spPr/>
@@ -6097,20 +6105,13 @@
     </p:spTree>
     <p:extLst>
       <p:ext uri="{BB962C8B-B14F-4D97-AF65-F5344CB8AC3E}">
-        <p14:creationId xmlns:p14="http://schemas.microsoft.com/office/powerpoint/2010/main" val="3510166845"/>
+        <p14:creationId xmlns:p14="http://schemas.microsoft.com/office/powerpoint/2010/main" val="403558273"/>
       </p:ext>
     </p:extLst>
   </p:cSld>
   <p:clrMapOvr>
     <a:masterClrMapping/>
   </p:clrMapOvr>
-  <p:timing>
-    <p:tnLst>
-      <p:par>
-        <p:cTn id="1" dur="indefinite" restart="never" nodeType="tmRoot"/>
-      </p:par>
-    </p:tnLst>
-  </p:timing>
 </p:sld>
 </file>
 
@@ -6148,7 +6149,7 @@
           <a:p>
             <a:r>
               <a:rPr lang="en-GB" dirty="0" smtClean="0"/>
-              <a:t>Gameplay </a:t>
+              <a:t>Changes form last time</a:t>
             </a:r>
             <a:endParaRPr lang="en-US" dirty="0"/>
           </a:p>
@@ -6176,20 +6177,13 @@
     </p:spTree>
     <p:extLst>
       <p:ext uri="{BB962C8B-B14F-4D97-AF65-F5344CB8AC3E}">
-        <p14:creationId xmlns:p14="http://schemas.microsoft.com/office/powerpoint/2010/main" val="931830881"/>
+        <p14:creationId xmlns:p14="http://schemas.microsoft.com/office/powerpoint/2010/main" val="3126662049"/>
       </p:ext>
     </p:extLst>
   </p:cSld>
   <p:clrMapOvr>
     <a:masterClrMapping/>
   </p:clrMapOvr>
-  <p:timing>
-    <p:tnLst>
-      <p:par>
-        <p:cTn id="1" dur="indefinite" restart="never" nodeType="tmRoot"/>
-      </p:par>
-    </p:tnLst>
-  </p:timing>
 </p:sld>
 </file>
 
@@ -6227,7 +6221,7 @@
           <a:p>
             <a:r>
               <a:rPr lang="en-GB" dirty="0" smtClean="0"/>
-              <a:t>Play sessions  </a:t>
+              <a:t>Gameplay </a:t>
             </a:r>
             <a:endParaRPr lang="en-US" dirty="0"/>
           </a:p>
@@ -6248,14 +6242,14 @@
           <a:bodyPr/>
           <a:lstStyle/>
           <a:p>
-            <a:endParaRPr lang="en-US" dirty="0"/>
+            <a:endParaRPr lang="en-US"/>
           </a:p>
         </p:txBody>
       </p:sp>
     </p:spTree>
     <p:extLst>
       <p:ext uri="{BB962C8B-B14F-4D97-AF65-F5344CB8AC3E}">
-        <p14:creationId xmlns:p14="http://schemas.microsoft.com/office/powerpoint/2010/main" val="4136485254"/>
+        <p14:creationId xmlns:p14="http://schemas.microsoft.com/office/powerpoint/2010/main" val="931830881"/>
       </p:ext>
     </p:extLst>
   </p:cSld>
@@ -6306,7 +6300,7 @@
           <a:p>
             <a:r>
               <a:rPr lang="en-GB" dirty="0" smtClean="0"/>
-              <a:t>Micro transactions </a:t>
+              <a:t>Target Audience </a:t>
             </a:r>
             <a:endParaRPr lang="en-US" dirty="0"/>
           </a:p>
@@ -6327,10 +6321,6 @@
           <a:bodyPr/>
           <a:lstStyle/>
           <a:p>
-            <a:r>
-              <a:rPr lang="en-GB" dirty="0" smtClean="0"/>
-              <a:t>Able to buy the in-game currency </a:t>
-            </a:r>
             <a:endParaRPr lang="en-US" dirty="0"/>
           </a:p>
         </p:txBody>
@@ -6338,7 +6328,7 @@
     </p:spTree>
     <p:extLst>
       <p:ext uri="{BB962C8B-B14F-4D97-AF65-F5344CB8AC3E}">
-        <p14:creationId xmlns:p14="http://schemas.microsoft.com/office/powerpoint/2010/main" val="1476801111"/>
+        <p14:creationId xmlns:p14="http://schemas.microsoft.com/office/powerpoint/2010/main" val="3510166845"/>
       </p:ext>
     </p:extLst>
   </p:cSld>
@@ -6389,7 +6379,7 @@
           <a:p>
             <a:r>
               <a:rPr lang="en-GB" dirty="0" smtClean="0"/>
-              <a:t>Adverts </a:t>
+              <a:t>Player Retention </a:t>
             </a:r>
             <a:endParaRPr lang="en-US" dirty="0"/>
           </a:p>
@@ -6412,24 +6402,26 @@
           <a:p>
             <a:r>
               <a:rPr lang="en-GB" dirty="0" smtClean="0"/>
-              <a:t>After a couple of levels has been completed, a advert will pop up.</a:t>
+              <a:t>Daily rewards that will go up in value everyday. This will reset every 5 days unless the player doesn’t log in everyday.</a:t>
             </a:r>
           </a:p>
           <a:p>
             <a:r>
               <a:rPr lang="en-GB" dirty="0" smtClean="0"/>
-              <a:t>These can be removed with a one time purchase or if the player buys enough of the micro transactions.</a:t>
-            </a:r>
-          </a:p>
-          <a:p>
-            <a:endParaRPr lang="en-US" dirty="0"/>
+              <a:t>These rewards will be our in-game currency starting with 10 coins on day 1 to 50 on day 5</a:t>
+            </a:r>
+            <a:r>
+              <a:rPr lang="en-GB" dirty="0" smtClean="0"/>
+              <a:t>.</a:t>
+            </a:r>
+            <a:endParaRPr lang="en-GB" dirty="0"/>
           </a:p>
         </p:txBody>
       </p:sp>
     </p:spTree>
     <p:extLst>
       <p:ext uri="{BB962C8B-B14F-4D97-AF65-F5344CB8AC3E}">
-        <p14:creationId xmlns:p14="http://schemas.microsoft.com/office/powerpoint/2010/main" val="93460885"/>
+        <p14:creationId xmlns:p14="http://schemas.microsoft.com/office/powerpoint/2010/main" val="2112287862"/>
       </p:ext>
     </p:extLst>
   </p:cSld>
@@ -6480,7 +6472,7 @@
           <a:p>
             <a:r>
               <a:rPr lang="en-GB" dirty="0" smtClean="0"/>
-              <a:t>Player Retention </a:t>
+              <a:t>Play sessions  </a:t>
             </a:r>
             <a:endParaRPr lang="en-US" dirty="0"/>
           </a:p>
@@ -6501,31 +6493,14 @@
           <a:bodyPr/>
           <a:lstStyle/>
           <a:p>
-            <a:r>
-              <a:rPr lang="en-GB" dirty="0" smtClean="0"/>
-              <a:t>Daily rewards that will go up in value everyday. This will reset every 5 days unless the player doesn’t log in everyday.</a:t>
-            </a:r>
-          </a:p>
-          <a:p>
-            <a:r>
-              <a:rPr lang="en-GB" dirty="0" smtClean="0"/>
-              <a:t>These rewards will be our in-game currency starting with 10 coins on day 1 to 50 on day 5.</a:t>
-            </a:r>
-            <a:endParaRPr lang="en-GB" dirty="0"/>
-          </a:p>
-          <a:p>
-            <a:r>
-              <a:rPr lang="en-GB" dirty="0" smtClean="0"/>
-              <a:t>We will also be releasing content updates with new levels and different character skins.</a:t>
-            </a:r>
-            <a:endParaRPr lang="en-US" dirty="0" smtClean="0"/>
+            <a:endParaRPr lang="en-US" dirty="0"/>
           </a:p>
         </p:txBody>
       </p:sp>
     </p:spTree>
     <p:extLst>
       <p:ext uri="{BB962C8B-B14F-4D97-AF65-F5344CB8AC3E}">
-        <p14:creationId xmlns:p14="http://schemas.microsoft.com/office/powerpoint/2010/main" val="2112287862"/>
+        <p14:creationId xmlns:p14="http://schemas.microsoft.com/office/powerpoint/2010/main" val="4136485254"/>
       </p:ext>
     </p:extLst>
   </p:cSld>
@@ -6539,6 +6514,252 @@
       </p:par>
     </p:tnLst>
   </p:timing>
+</p:sld>
+</file>
+
+<file path=ppt/slides/slide7.xml><?xml version="1.0" encoding="utf-8"?>
+<p:sld xmlns:a="http://schemas.openxmlformats.org/drawingml/2006/main" xmlns:r="http://schemas.openxmlformats.org/officeDocument/2006/relationships" xmlns:p="http://schemas.openxmlformats.org/presentationml/2006/main">
+  <p:cSld>
+    <p:spTree>
+      <p:nvGrpSpPr>
+        <p:cNvPr id="1" name=""/>
+        <p:cNvGrpSpPr/>
+        <p:nvPr/>
+      </p:nvGrpSpPr>
+      <p:grpSpPr>
+        <a:xfrm>
+          <a:off x="0" y="0"/>
+          <a:ext cx="0" cy="0"/>
+          <a:chOff x="0" y="0"/>
+          <a:chExt cx="0" cy="0"/>
+        </a:xfrm>
+      </p:grpSpPr>
+      <p:sp>
+        <p:nvSpPr>
+          <p:cNvPr id="2" name="Title 1"/>
+          <p:cNvSpPr>
+            <a:spLocks noGrp="1"/>
+          </p:cNvSpPr>
+          <p:nvPr>
+            <p:ph type="title"/>
+          </p:nvPr>
+        </p:nvSpPr>
+        <p:spPr/>
+        <p:txBody>
+          <a:bodyPr/>
+          <a:lstStyle/>
+          <a:p>
+            <a:r>
+              <a:rPr lang="en-GB" dirty="0" smtClean="0"/>
+              <a:t>Micro transactions </a:t>
+            </a:r>
+            <a:endParaRPr lang="en-US" dirty="0"/>
+          </a:p>
+        </p:txBody>
+      </p:sp>
+      <p:sp>
+        <p:nvSpPr>
+          <p:cNvPr id="3" name="Content Placeholder 2"/>
+          <p:cNvSpPr>
+            <a:spLocks noGrp="1"/>
+          </p:cNvSpPr>
+          <p:nvPr>
+            <p:ph idx="1"/>
+          </p:nvPr>
+        </p:nvSpPr>
+        <p:spPr/>
+        <p:txBody>
+          <a:bodyPr/>
+          <a:lstStyle/>
+          <a:p>
+            <a:r>
+              <a:rPr lang="en-GB" dirty="0" smtClean="0"/>
+              <a:t>Able to buy the in-game currency </a:t>
+            </a:r>
+            <a:endParaRPr lang="en-US" dirty="0"/>
+          </a:p>
+        </p:txBody>
+      </p:sp>
+    </p:spTree>
+    <p:extLst>
+      <p:ext uri="{BB962C8B-B14F-4D97-AF65-F5344CB8AC3E}">
+        <p14:creationId xmlns:p14="http://schemas.microsoft.com/office/powerpoint/2010/main" val="1476801111"/>
+      </p:ext>
+    </p:extLst>
+  </p:cSld>
+  <p:clrMapOvr>
+    <a:masterClrMapping/>
+  </p:clrMapOvr>
+  <p:timing>
+    <p:tnLst>
+      <p:par>
+        <p:cTn id="1" dur="indefinite" restart="never" nodeType="tmRoot"/>
+      </p:par>
+    </p:tnLst>
+  </p:timing>
+</p:sld>
+</file>
+
+<file path=ppt/slides/slide8.xml><?xml version="1.0" encoding="utf-8"?>
+<p:sld xmlns:a="http://schemas.openxmlformats.org/drawingml/2006/main" xmlns:r="http://schemas.openxmlformats.org/officeDocument/2006/relationships" xmlns:p="http://schemas.openxmlformats.org/presentationml/2006/main">
+  <p:cSld>
+    <p:spTree>
+      <p:nvGrpSpPr>
+        <p:cNvPr id="1" name=""/>
+        <p:cNvGrpSpPr/>
+        <p:nvPr/>
+      </p:nvGrpSpPr>
+      <p:grpSpPr>
+        <a:xfrm>
+          <a:off x="0" y="0"/>
+          <a:ext cx="0" cy="0"/>
+          <a:chOff x="0" y="0"/>
+          <a:chExt cx="0" cy="0"/>
+        </a:xfrm>
+      </p:grpSpPr>
+      <p:sp>
+        <p:nvSpPr>
+          <p:cNvPr id="2" name="Title 1"/>
+          <p:cNvSpPr>
+            <a:spLocks noGrp="1"/>
+          </p:cNvSpPr>
+          <p:nvPr>
+            <p:ph type="title"/>
+          </p:nvPr>
+        </p:nvSpPr>
+        <p:spPr/>
+        <p:txBody>
+          <a:bodyPr/>
+          <a:lstStyle/>
+          <a:p>
+            <a:r>
+              <a:rPr lang="en-GB" dirty="0" smtClean="0"/>
+              <a:t>Adverts </a:t>
+            </a:r>
+            <a:endParaRPr lang="en-US" dirty="0"/>
+          </a:p>
+        </p:txBody>
+      </p:sp>
+      <p:sp>
+        <p:nvSpPr>
+          <p:cNvPr id="3" name="Content Placeholder 2"/>
+          <p:cNvSpPr>
+            <a:spLocks noGrp="1"/>
+          </p:cNvSpPr>
+          <p:nvPr>
+            <p:ph idx="1"/>
+          </p:nvPr>
+        </p:nvSpPr>
+        <p:spPr/>
+        <p:txBody>
+          <a:bodyPr/>
+          <a:lstStyle/>
+          <a:p>
+            <a:r>
+              <a:rPr lang="en-GB" dirty="0" smtClean="0"/>
+              <a:t>After a couple of levels has been completed, a advert will pop up.</a:t>
+            </a:r>
+          </a:p>
+          <a:p>
+            <a:r>
+              <a:rPr lang="en-GB" dirty="0" smtClean="0"/>
+              <a:t>These can be removed with a one time purchase or if the player buys enough of the micro transactions.</a:t>
+            </a:r>
+          </a:p>
+          <a:p>
+            <a:endParaRPr lang="en-US" dirty="0"/>
+          </a:p>
+        </p:txBody>
+      </p:sp>
+    </p:spTree>
+    <p:extLst>
+      <p:ext uri="{BB962C8B-B14F-4D97-AF65-F5344CB8AC3E}">
+        <p14:creationId xmlns:p14="http://schemas.microsoft.com/office/powerpoint/2010/main" val="93460885"/>
+      </p:ext>
+    </p:extLst>
+  </p:cSld>
+  <p:clrMapOvr>
+    <a:masterClrMapping/>
+  </p:clrMapOvr>
+  <p:timing>
+    <p:tnLst>
+      <p:par>
+        <p:cTn id="1" dur="indefinite" restart="never" nodeType="tmRoot"/>
+      </p:par>
+    </p:tnLst>
+  </p:timing>
+</p:sld>
+</file>
+
+<file path=ppt/slides/slide9.xml><?xml version="1.0" encoding="utf-8"?>
+<p:sld xmlns:a="http://schemas.openxmlformats.org/drawingml/2006/main" xmlns:r="http://schemas.openxmlformats.org/officeDocument/2006/relationships" xmlns:p="http://schemas.openxmlformats.org/presentationml/2006/main">
+  <p:cSld>
+    <p:spTree>
+      <p:nvGrpSpPr>
+        <p:cNvPr id="1" name=""/>
+        <p:cNvGrpSpPr/>
+        <p:nvPr/>
+      </p:nvGrpSpPr>
+      <p:grpSpPr>
+        <a:xfrm>
+          <a:off x="0" y="0"/>
+          <a:ext cx="0" cy="0"/>
+          <a:chOff x="0" y="0"/>
+          <a:chExt cx="0" cy="0"/>
+        </a:xfrm>
+      </p:grpSpPr>
+      <p:sp>
+        <p:nvSpPr>
+          <p:cNvPr id="2" name="Title 1"/>
+          <p:cNvSpPr>
+            <a:spLocks noGrp="1"/>
+          </p:cNvSpPr>
+          <p:nvPr>
+            <p:ph type="title"/>
+          </p:nvPr>
+        </p:nvSpPr>
+        <p:spPr/>
+        <p:txBody>
+          <a:bodyPr/>
+          <a:lstStyle/>
+          <a:p>
+            <a:r>
+              <a:rPr lang="en-GB" dirty="0" smtClean="0"/>
+              <a:t>Future </a:t>
+            </a:r>
+            <a:endParaRPr lang="en-US" dirty="0"/>
+          </a:p>
+        </p:txBody>
+      </p:sp>
+      <p:sp>
+        <p:nvSpPr>
+          <p:cNvPr id="3" name="Content Placeholder 2"/>
+          <p:cNvSpPr>
+            <a:spLocks noGrp="1"/>
+          </p:cNvSpPr>
+          <p:nvPr>
+            <p:ph idx="1"/>
+          </p:nvPr>
+        </p:nvSpPr>
+        <p:spPr/>
+        <p:txBody>
+          <a:bodyPr/>
+          <a:lstStyle/>
+          <a:p>
+            <a:endParaRPr lang="en-US" dirty="0"/>
+          </a:p>
+        </p:txBody>
+      </p:sp>
+    </p:spTree>
+    <p:extLst>
+      <p:ext uri="{BB962C8B-B14F-4D97-AF65-F5344CB8AC3E}">
+        <p14:creationId xmlns:p14="http://schemas.microsoft.com/office/powerpoint/2010/main" val="584102872"/>
+      </p:ext>
+    </p:extLst>
+  </p:cSld>
+  <p:clrMapOvr>
+    <a:masterClrMapping/>
+  </p:clrMapOvr>
 </p:sld>
 </file>
 

--- a/tgp powerpoint.pptx
+++ b/tgp powerpoint.pptx
@@ -306,7 +306,7 @@
           <a:p>
             <a:fld id="{6781D6B9-A2A8-49BE-99F2-F20438EE95EB}" type="datetimeFigureOut">
               <a:rPr lang="en-US" smtClean="0"/>
-              <a:t>3/28/2017</a:t>
+              <a:t>3/30/2017</a:t>
             </a:fld>
             <a:endParaRPr lang="en-US"/>
           </a:p>
@@ -581,7 +581,7 @@
           <a:p>
             <a:fld id="{6781D6B9-A2A8-49BE-99F2-F20438EE95EB}" type="datetimeFigureOut">
               <a:rPr lang="en-US" smtClean="0"/>
-              <a:t>3/28/2017</a:t>
+              <a:t>3/30/2017</a:t>
             </a:fld>
             <a:endParaRPr lang="en-US"/>
           </a:p>
@@ -775,7 +775,7 @@
           <a:p>
             <a:fld id="{6781D6B9-A2A8-49BE-99F2-F20438EE95EB}" type="datetimeFigureOut">
               <a:rPr lang="en-US" smtClean="0"/>
-              <a:t>3/28/2017</a:t>
+              <a:t>3/30/2017</a:t>
             </a:fld>
             <a:endParaRPr lang="en-US"/>
           </a:p>
@@ -1046,7 +1046,7 @@
           <a:p>
             <a:fld id="{6781D6B9-A2A8-49BE-99F2-F20438EE95EB}" type="datetimeFigureOut">
               <a:rPr lang="en-US" smtClean="0"/>
-              <a:t>3/28/2017</a:t>
+              <a:t>3/30/2017</a:t>
             </a:fld>
             <a:endParaRPr lang="en-US"/>
           </a:p>
@@ -1373,7 +1373,7 @@
           <a:p>
             <a:fld id="{6781D6B9-A2A8-49BE-99F2-F20438EE95EB}" type="datetimeFigureOut">
               <a:rPr lang="en-US" smtClean="0"/>
-              <a:t>3/28/2017</a:t>
+              <a:t>3/30/2017</a:t>
             </a:fld>
             <a:endParaRPr lang="en-US"/>
           </a:p>
@@ -1992,7 +1992,7 @@
           <a:p>
             <a:fld id="{6781D6B9-A2A8-49BE-99F2-F20438EE95EB}" type="datetimeFigureOut">
               <a:rPr lang="en-US" smtClean="0"/>
-              <a:t>3/28/2017</a:t>
+              <a:t>3/30/2017</a:t>
             </a:fld>
             <a:endParaRPr lang="en-US"/>
           </a:p>
@@ -2839,7 +2839,7 @@
           <a:p>
             <a:fld id="{6781D6B9-A2A8-49BE-99F2-F20438EE95EB}" type="datetimeFigureOut">
               <a:rPr lang="en-US" smtClean="0"/>
-              <a:t>3/28/2017</a:t>
+              <a:t>3/30/2017</a:t>
             </a:fld>
             <a:endParaRPr lang="en-US"/>
           </a:p>
@@ -3009,7 +3009,7 @@
           <a:p>
             <a:fld id="{6781D6B9-A2A8-49BE-99F2-F20438EE95EB}" type="datetimeFigureOut">
               <a:rPr lang="en-US" smtClean="0"/>
-              <a:t>3/28/2017</a:t>
+              <a:t>3/30/2017</a:t>
             </a:fld>
             <a:endParaRPr lang="en-US"/>
           </a:p>
@@ -3189,7 +3189,7 @@
           <a:p>
             <a:fld id="{6781D6B9-A2A8-49BE-99F2-F20438EE95EB}" type="datetimeFigureOut">
               <a:rPr lang="en-US" smtClean="0"/>
-              <a:t>3/28/2017</a:t>
+              <a:t>3/30/2017</a:t>
             </a:fld>
             <a:endParaRPr lang="en-US"/>
           </a:p>
@@ -3359,7 +3359,7 @@
           <a:p>
             <a:fld id="{6781D6B9-A2A8-49BE-99F2-F20438EE95EB}" type="datetimeFigureOut">
               <a:rPr lang="en-US" smtClean="0"/>
-              <a:t>3/28/2017</a:t>
+              <a:t>3/30/2017</a:t>
             </a:fld>
             <a:endParaRPr lang="en-US"/>
           </a:p>
@@ -3606,7 +3606,7 @@
           <a:p>
             <a:fld id="{6781D6B9-A2A8-49BE-99F2-F20438EE95EB}" type="datetimeFigureOut">
               <a:rPr lang="en-US" smtClean="0"/>
-              <a:t>3/28/2017</a:t>
+              <a:t>3/30/2017</a:t>
             </a:fld>
             <a:endParaRPr lang="en-US"/>
           </a:p>
@@ -3898,7 +3898,7 @@
           <a:p>
             <a:fld id="{6781D6B9-A2A8-49BE-99F2-F20438EE95EB}" type="datetimeFigureOut">
               <a:rPr lang="en-US" smtClean="0"/>
-              <a:t>3/28/2017</a:t>
+              <a:t>3/30/2017</a:t>
             </a:fld>
             <a:endParaRPr lang="en-US"/>
           </a:p>
@@ -4342,7 +4342,7 @@
           <a:p>
             <a:fld id="{6781D6B9-A2A8-49BE-99F2-F20438EE95EB}" type="datetimeFigureOut">
               <a:rPr lang="en-US" smtClean="0"/>
-              <a:t>3/28/2017</a:t>
+              <a:t>3/30/2017</a:t>
             </a:fld>
             <a:endParaRPr lang="en-US"/>
           </a:p>
@@ -4460,7 +4460,7 @@
           <a:p>
             <a:fld id="{6781D6B9-A2A8-49BE-99F2-F20438EE95EB}" type="datetimeFigureOut">
               <a:rPr lang="en-US" smtClean="0"/>
-              <a:t>3/28/2017</a:t>
+              <a:t>3/30/2017</a:t>
             </a:fld>
             <a:endParaRPr lang="en-US"/>
           </a:p>
@@ -4555,7 +4555,7 @@
           <a:p>
             <a:fld id="{6781D6B9-A2A8-49BE-99F2-F20438EE95EB}" type="datetimeFigureOut">
               <a:rPr lang="en-US" smtClean="0"/>
-              <a:t>3/28/2017</a:t>
+              <a:t>3/30/2017</a:t>
             </a:fld>
             <a:endParaRPr lang="en-US"/>
           </a:p>
@@ -4834,7 +4834,7 @@
           <a:p>
             <a:fld id="{6781D6B9-A2A8-49BE-99F2-F20438EE95EB}" type="datetimeFigureOut">
               <a:rPr lang="en-US" smtClean="0"/>
-              <a:t>3/28/2017</a:t>
+              <a:t>3/30/2017</a:t>
             </a:fld>
             <a:endParaRPr lang="en-US"/>
           </a:p>
@@ -5109,7 +5109,7 @@
           <a:p>
             <a:fld id="{6781D6B9-A2A8-49BE-99F2-F20438EE95EB}" type="datetimeFigureOut">
               <a:rPr lang="en-US" smtClean="0"/>
-              <a:t>3/28/2017</a:t>
+              <a:t>3/30/2017</a:t>
             </a:fld>
             <a:endParaRPr lang="en-US"/>
           </a:p>
@@ -5532,7 +5532,7 @@
           <a:p>
             <a:fld id="{6781D6B9-A2A8-49BE-99F2-F20438EE95EB}" type="datetimeFigureOut">
               <a:rPr lang="en-US" smtClean="0"/>
-              <a:t>3/28/2017</a:t>
+              <a:t>3/30/2017</a:t>
             </a:fld>
             <a:endParaRPr lang="en-US"/>
           </a:p>
@@ -6170,7 +6170,32 @@
           <a:bodyPr/>
           <a:lstStyle/>
           <a:p>
-            <a:endParaRPr lang="en-US"/>
+            <a:r>
+              <a:rPr lang="en-GB" dirty="0" smtClean="0"/>
+              <a:t>Changes that we have made include</a:t>
+            </a:r>
+            <a:r>
+              <a:rPr lang="en-US" dirty="0" smtClean="0"/>
+              <a:t>:</a:t>
+            </a:r>
+          </a:p>
+          <a:p>
+            <a:r>
+              <a:rPr lang="en-GB" dirty="0" smtClean="0"/>
+              <a:t>A coin system so that players can buy hints to help with the level.</a:t>
+            </a:r>
+          </a:p>
+          <a:p>
+            <a:r>
+              <a:rPr lang="en-GB" dirty="0" smtClean="0"/>
+              <a:t>Random letter generation that spaces out the letters and makes sure that none of them overlap.</a:t>
+            </a:r>
+          </a:p>
+          <a:p>
+            <a:r>
+              <a:rPr lang="en-GB" dirty="0" smtClean="0"/>
+              <a:t>We have added physics to a few of the letters so that they fly onto the screen.</a:t>
+            </a:r>
           </a:p>
         </p:txBody>
       </p:sp>
@@ -6242,7 +6267,27 @@
           <a:bodyPr/>
           <a:lstStyle/>
           <a:p>
-            <a:endParaRPr lang="en-US"/>
+            <a:r>
+              <a:rPr lang="en-GB" dirty="0" smtClean="0"/>
+              <a:t>The aim of the game is to collect all of the letters on the screen in the correct order to make the word.</a:t>
+            </a:r>
+          </a:p>
+          <a:p>
+            <a:r>
+              <a:rPr lang="en-GB" dirty="0" smtClean="0"/>
+              <a:t>Collected incorrect letters can be tapped to put them back into the world.</a:t>
+            </a:r>
+          </a:p>
+          <a:p>
+            <a:r>
+              <a:rPr lang="en-GB" dirty="0" smtClean="0"/>
+              <a:t>A level is complete when the word </a:t>
+            </a:r>
+            <a:r>
+              <a:rPr lang="en-GB" smtClean="0"/>
+              <a:t>is correctly spelled.</a:t>
+            </a:r>
+            <a:endParaRPr lang="en-US" dirty="0"/>
           </a:p>
         </p:txBody>
       </p:sp>
@@ -6408,11 +6453,7 @@
           <a:p>
             <a:r>
               <a:rPr lang="en-GB" dirty="0" smtClean="0"/>
-              <a:t>These rewards will be our in-game currency starting with 10 coins on day 1 to 50 on day 5</a:t>
-            </a:r>
-            <a:r>
-              <a:rPr lang="en-GB" dirty="0" smtClean="0"/>
-              <a:t>.</a:t>
+              <a:t>These rewards will be our in-game currency starting with 10 coins on day 1 to 50 on day 5.</a:t>
             </a:r>
             <a:endParaRPr lang="en-GB" dirty="0"/>
           </a:p>
@@ -6745,6 +6786,72 @@
         <p:txBody>
           <a:bodyPr/>
           <a:lstStyle/>
+          <a:p>
+            <a:r>
+              <a:rPr lang="en-GB" dirty="0" smtClean="0"/>
+              <a:t>In the future we plan to ship the following updates to Learning Quest:</a:t>
+            </a:r>
+          </a:p>
+          <a:p>
+            <a:pPr>
+              <a:buFont typeface="Wingdings" panose="05000000000000000000" pitchFamily="2" charset="2"/>
+              <a:buChar char="§"/>
+            </a:pPr>
+            <a:r>
+              <a:rPr lang="en-GB" dirty="0" smtClean="0"/>
+              <a:t>Extra character skins, some of which can be micro transactions</a:t>
+            </a:r>
+          </a:p>
+          <a:p>
+            <a:pPr>
+              <a:buFont typeface="Wingdings" panose="05000000000000000000" pitchFamily="2" charset="2"/>
+              <a:buChar char="§"/>
+            </a:pPr>
+            <a:r>
+              <a:rPr lang="en-GB" dirty="0" smtClean="0"/>
+              <a:t>More levels with different challenges and environments</a:t>
+            </a:r>
+          </a:p>
+          <a:p>
+            <a:pPr>
+              <a:buFont typeface="Wingdings" panose="05000000000000000000" pitchFamily="2" charset="2"/>
+              <a:buChar char="§"/>
+            </a:pPr>
+            <a:r>
+              <a:rPr lang="en-GB" dirty="0" smtClean="0"/>
+              <a:t>Seasonal events with limited skins and environments</a:t>
+            </a:r>
+          </a:p>
+          <a:p>
+            <a:pPr>
+              <a:buFont typeface="Wingdings" panose="05000000000000000000" pitchFamily="2" charset="2"/>
+              <a:buChar char="§"/>
+            </a:pPr>
+            <a:r>
+              <a:rPr lang="en-GB" dirty="0" smtClean="0"/>
+              <a:t>Graphical Improvements</a:t>
+            </a:r>
+          </a:p>
+          <a:p>
+            <a:pPr>
+              <a:buFont typeface="Wingdings" panose="05000000000000000000" pitchFamily="2" charset="2"/>
+              <a:buChar char="§"/>
+            </a:pPr>
+            <a:r>
+              <a:rPr lang="en-GB" dirty="0" smtClean="0"/>
+              <a:t>Better support for tablet devices</a:t>
+            </a:r>
+          </a:p>
+          <a:p>
+            <a:pPr>
+              <a:buFont typeface="Wingdings" panose="05000000000000000000" pitchFamily="2" charset="2"/>
+              <a:buChar char="§"/>
+            </a:pPr>
+            <a:r>
+              <a:rPr lang="en-GB" dirty="0" smtClean="0"/>
+              <a:t>Different subjects to add more variance, e.g. a maths set of levels to add more learning capabilities.  </a:t>
+            </a:r>
+          </a:p>
           <a:p>
             <a:endParaRPr lang="en-US" dirty="0"/>
           </a:p>

--- a/tgp powerpoint.pptx
+++ b/tgp powerpoint.pptx
@@ -6,14 +6,15 @@
   </p:sldMasterIdLst>
   <p:sldIdLst>
     <p:sldId id="266" r:id="rId2"/>
-    <p:sldId id="265" r:id="rId3"/>
-    <p:sldId id="262" r:id="rId4"/>
-    <p:sldId id="260" r:id="rId5"/>
-    <p:sldId id="259" r:id="rId6"/>
-    <p:sldId id="261" r:id="rId7"/>
-    <p:sldId id="257" r:id="rId8"/>
-    <p:sldId id="258" r:id="rId9"/>
-    <p:sldId id="264" r:id="rId10"/>
+    <p:sldId id="267" r:id="rId3"/>
+    <p:sldId id="265" r:id="rId4"/>
+    <p:sldId id="262" r:id="rId5"/>
+    <p:sldId id="260" r:id="rId6"/>
+    <p:sldId id="259" r:id="rId7"/>
+    <p:sldId id="261" r:id="rId8"/>
+    <p:sldId id="257" r:id="rId9"/>
+    <p:sldId id="258" r:id="rId10"/>
+    <p:sldId id="264" r:id="rId11"/>
   </p:sldIdLst>
   <p:sldSz cx="12192000" cy="6858000"/>
   <p:notesSz cx="6858000" cy="9144000"/>
@@ -306,7 +307,7 @@
           <a:p>
             <a:fld id="{6781D6B9-A2A8-49BE-99F2-F20438EE95EB}" type="datetimeFigureOut">
               <a:rPr lang="en-US" smtClean="0"/>
-              <a:t>3/30/2017</a:t>
+              <a:t>4/6/2017</a:t>
             </a:fld>
             <a:endParaRPr lang="en-US"/>
           </a:p>
@@ -581,7 +582,7 @@
           <a:p>
             <a:fld id="{6781D6B9-A2A8-49BE-99F2-F20438EE95EB}" type="datetimeFigureOut">
               <a:rPr lang="en-US" smtClean="0"/>
-              <a:t>3/30/2017</a:t>
+              <a:t>4/6/2017</a:t>
             </a:fld>
             <a:endParaRPr lang="en-US"/>
           </a:p>
@@ -775,7 +776,7 @@
           <a:p>
             <a:fld id="{6781D6B9-A2A8-49BE-99F2-F20438EE95EB}" type="datetimeFigureOut">
               <a:rPr lang="en-US" smtClean="0"/>
-              <a:t>3/30/2017</a:t>
+              <a:t>4/6/2017</a:t>
             </a:fld>
             <a:endParaRPr lang="en-US"/>
           </a:p>
@@ -1046,7 +1047,7 @@
           <a:p>
             <a:fld id="{6781D6B9-A2A8-49BE-99F2-F20438EE95EB}" type="datetimeFigureOut">
               <a:rPr lang="en-US" smtClean="0"/>
-              <a:t>3/30/2017</a:t>
+              <a:t>4/6/2017</a:t>
             </a:fld>
             <a:endParaRPr lang="en-US"/>
           </a:p>
@@ -1373,7 +1374,7 @@
           <a:p>
             <a:fld id="{6781D6B9-A2A8-49BE-99F2-F20438EE95EB}" type="datetimeFigureOut">
               <a:rPr lang="en-US" smtClean="0"/>
-              <a:t>3/30/2017</a:t>
+              <a:t>4/6/2017</a:t>
             </a:fld>
             <a:endParaRPr lang="en-US"/>
           </a:p>
@@ -1992,7 +1993,7 @@
           <a:p>
             <a:fld id="{6781D6B9-A2A8-49BE-99F2-F20438EE95EB}" type="datetimeFigureOut">
               <a:rPr lang="en-US" smtClean="0"/>
-              <a:t>3/30/2017</a:t>
+              <a:t>4/6/2017</a:t>
             </a:fld>
             <a:endParaRPr lang="en-US"/>
           </a:p>
@@ -2839,7 +2840,7 @@
           <a:p>
             <a:fld id="{6781D6B9-A2A8-49BE-99F2-F20438EE95EB}" type="datetimeFigureOut">
               <a:rPr lang="en-US" smtClean="0"/>
-              <a:t>3/30/2017</a:t>
+              <a:t>4/6/2017</a:t>
             </a:fld>
             <a:endParaRPr lang="en-US"/>
           </a:p>
@@ -3009,7 +3010,7 @@
           <a:p>
             <a:fld id="{6781D6B9-A2A8-49BE-99F2-F20438EE95EB}" type="datetimeFigureOut">
               <a:rPr lang="en-US" smtClean="0"/>
-              <a:t>3/30/2017</a:t>
+              <a:t>4/6/2017</a:t>
             </a:fld>
             <a:endParaRPr lang="en-US"/>
           </a:p>
@@ -3189,7 +3190,7 @@
           <a:p>
             <a:fld id="{6781D6B9-A2A8-49BE-99F2-F20438EE95EB}" type="datetimeFigureOut">
               <a:rPr lang="en-US" smtClean="0"/>
-              <a:t>3/30/2017</a:t>
+              <a:t>4/6/2017</a:t>
             </a:fld>
             <a:endParaRPr lang="en-US"/>
           </a:p>
@@ -3359,7 +3360,7 @@
           <a:p>
             <a:fld id="{6781D6B9-A2A8-49BE-99F2-F20438EE95EB}" type="datetimeFigureOut">
               <a:rPr lang="en-US" smtClean="0"/>
-              <a:t>3/30/2017</a:t>
+              <a:t>4/6/2017</a:t>
             </a:fld>
             <a:endParaRPr lang="en-US"/>
           </a:p>
@@ -3606,7 +3607,7 @@
           <a:p>
             <a:fld id="{6781D6B9-A2A8-49BE-99F2-F20438EE95EB}" type="datetimeFigureOut">
               <a:rPr lang="en-US" smtClean="0"/>
-              <a:t>3/30/2017</a:t>
+              <a:t>4/6/2017</a:t>
             </a:fld>
             <a:endParaRPr lang="en-US"/>
           </a:p>
@@ -3898,7 +3899,7 @@
           <a:p>
             <a:fld id="{6781D6B9-A2A8-49BE-99F2-F20438EE95EB}" type="datetimeFigureOut">
               <a:rPr lang="en-US" smtClean="0"/>
-              <a:t>3/30/2017</a:t>
+              <a:t>4/6/2017</a:t>
             </a:fld>
             <a:endParaRPr lang="en-US"/>
           </a:p>
@@ -4342,7 +4343,7 @@
           <a:p>
             <a:fld id="{6781D6B9-A2A8-49BE-99F2-F20438EE95EB}" type="datetimeFigureOut">
               <a:rPr lang="en-US" smtClean="0"/>
-              <a:t>3/30/2017</a:t>
+              <a:t>4/6/2017</a:t>
             </a:fld>
             <a:endParaRPr lang="en-US"/>
           </a:p>
@@ -4460,7 +4461,7 @@
           <a:p>
             <a:fld id="{6781D6B9-A2A8-49BE-99F2-F20438EE95EB}" type="datetimeFigureOut">
               <a:rPr lang="en-US" smtClean="0"/>
-              <a:t>3/30/2017</a:t>
+              <a:t>4/6/2017</a:t>
             </a:fld>
             <a:endParaRPr lang="en-US"/>
           </a:p>
@@ -4555,7 +4556,7 @@
           <a:p>
             <a:fld id="{6781D6B9-A2A8-49BE-99F2-F20438EE95EB}" type="datetimeFigureOut">
               <a:rPr lang="en-US" smtClean="0"/>
-              <a:t>3/30/2017</a:t>
+              <a:t>4/6/2017</a:t>
             </a:fld>
             <a:endParaRPr lang="en-US"/>
           </a:p>
@@ -4834,7 +4835,7 @@
           <a:p>
             <a:fld id="{6781D6B9-A2A8-49BE-99F2-F20438EE95EB}" type="datetimeFigureOut">
               <a:rPr lang="en-US" smtClean="0"/>
-              <a:t>3/30/2017</a:t>
+              <a:t>4/6/2017</a:t>
             </a:fld>
             <a:endParaRPr lang="en-US"/>
           </a:p>
@@ -5109,7 +5110,7 @@
           <a:p>
             <a:fld id="{6781D6B9-A2A8-49BE-99F2-F20438EE95EB}" type="datetimeFigureOut">
               <a:rPr lang="en-US" smtClean="0"/>
-              <a:t>3/30/2017</a:t>
+              <a:t>4/6/2017</a:t>
             </a:fld>
             <a:endParaRPr lang="en-US"/>
           </a:p>
@@ -5532,7 +5533,7 @@
           <a:p>
             <a:fld id="{6781D6B9-A2A8-49BE-99F2-F20438EE95EB}" type="datetimeFigureOut">
               <a:rPr lang="en-US" smtClean="0"/>
-              <a:t>3/30/2017</a:t>
+              <a:t>4/6/2017</a:t>
             </a:fld>
             <a:endParaRPr lang="en-US"/>
           </a:p>
@@ -6115,6 +6116,144 @@
 </p:sld>
 </file>
 
+<file path=ppt/slides/slide10.xml><?xml version="1.0" encoding="utf-8"?>
+<p:sld xmlns:a="http://schemas.openxmlformats.org/drawingml/2006/main" xmlns:r="http://schemas.openxmlformats.org/officeDocument/2006/relationships" xmlns:p="http://schemas.openxmlformats.org/presentationml/2006/main">
+  <p:cSld>
+    <p:spTree>
+      <p:nvGrpSpPr>
+        <p:cNvPr id="1" name=""/>
+        <p:cNvGrpSpPr/>
+        <p:nvPr/>
+      </p:nvGrpSpPr>
+      <p:grpSpPr>
+        <a:xfrm>
+          <a:off x="0" y="0"/>
+          <a:ext cx="0" cy="0"/>
+          <a:chOff x="0" y="0"/>
+          <a:chExt cx="0" cy="0"/>
+        </a:xfrm>
+      </p:grpSpPr>
+      <p:sp>
+        <p:nvSpPr>
+          <p:cNvPr id="2" name="Title 1"/>
+          <p:cNvSpPr>
+            <a:spLocks noGrp="1"/>
+          </p:cNvSpPr>
+          <p:nvPr>
+            <p:ph type="title"/>
+          </p:nvPr>
+        </p:nvSpPr>
+        <p:spPr/>
+        <p:txBody>
+          <a:bodyPr/>
+          <a:lstStyle/>
+          <a:p>
+            <a:r>
+              <a:rPr lang="en-GB" dirty="0" smtClean="0"/>
+              <a:t>Future </a:t>
+            </a:r>
+            <a:endParaRPr lang="en-US" dirty="0"/>
+          </a:p>
+        </p:txBody>
+      </p:sp>
+      <p:sp>
+        <p:nvSpPr>
+          <p:cNvPr id="3" name="Content Placeholder 2"/>
+          <p:cNvSpPr>
+            <a:spLocks noGrp="1"/>
+          </p:cNvSpPr>
+          <p:nvPr>
+            <p:ph idx="1"/>
+          </p:nvPr>
+        </p:nvSpPr>
+        <p:spPr/>
+        <p:txBody>
+          <a:bodyPr/>
+          <a:lstStyle/>
+          <a:p>
+            <a:r>
+              <a:rPr lang="en-GB" dirty="0" smtClean="0"/>
+              <a:t>In the future we plan to ship the following updates to Learning Quest:</a:t>
+            </a:r>
+          </a:p>
+          <a:p>
+            <a:pPr>
+              <a:buFont typeface="Wingdings" panose="05000000000000000000" pitchFamily="2" charset="2"/>
+              <a:buChar char="§"/>
+            </a:pPr>
+            <a:r>
+              <a:rPr lang="en-GB" dirty="0" smtClean="0"/>
+              <a:t>Extra character skins, some of which can be micro transactions</a:t>
+            </a:r>
+          </a:p>
+          <a:p>
+            <a:pPr>
+              <a:buFont typeface="Wingdings" panose="05000000000000000000" pitchFamily="2" charset="2"/>
+              <a:buChar char="§"/>
+            </a:pPr>
+            <a:r>
+              <a:rPr lang="en-GB" dirty="0" smtClean="0"/>
+              <a:t>More levels with different challenges and environments</a:t>
+            </a:r>
+          </a:p>
+          <a:p>
+            <a:pPr>
+              <a:buFont typeface="Wingdings" panose="05000000000000000000" pitchFamily="2" charset="2"/>
+              <a:buChar char="§"/>
+            </a:pPr>
+            <a:r>
+              <a:rPr lang="en-GB" dirty="0" smtClean="0"/>
+              <a:t>Seasonal events with limited skins and environments</a:t>
+            </a:r>
+          </a:p>
+          <a:p>
+            <a:pPr>
+              <a:buFont typeface="Wingdings" panose="05000000000000000000" pitchFamily="2" charset="2"/>
+              <a:buChar char="§"/>
+            </a:pPr>
+            <a:r>
+              <a:rPr lang="en-GB" dirty="0" smtClean="0"/>
+              <a:t>Graphical Improvements</a:t>
+            </a:r>
+          </a:p>
+          <a:p>
+            <a:pPr>
+              <a:buFont typeface="Wingdings" panose="05000000000000000000" pitchFamily="2" charset="2"/>
+              <a:buChar char="§"/>
+            </a:pPr>
+            <a:r>
+              <a:rPr lang="en-GB" dirty="0" smtClean="0"/>
+              <a:t>Better support for tablet devices</a:t>
+            </a:r>
+          </a:p>
+          <a:p>
+            <a:pPr>
+              <a:buFont typeface="Wingdings" panose="05000000000000000000" pitchFamily="2" charset="2"/>
+              <a:buChar char="§"/>
+            </a:pPr>
+            <a:r>
+              <a:rPr lang="en-GB" dirty="0" smtClean="0"/>
+              <a:t>Different subjects to add more variance, e.g. a maths set of levels to add more learning capabilities.  </a:t>
+            </a:r>
+          </a:p>
+          <a:p>
+            <a:endParaRPr lang="en-US" dirty="0"/>
+          </a:p>
+        </p:txBody>
+      </p:sp>
+    </p:spTree>
+    <p:extLst>
+      <p:ext uri="{BB962C8B-B14F-4D97-AF65-F5344CB8AC3E}">
+        <p14:creationId xmlns:p14="http://schemas.microsoft.com/office/powerpoint/2010/main" val="584102872"/>
+      </p:ext>
+    </p:extLst>
+  </p:cSld>
+  <p:clrMapOvr>
+    <a:masterClrMapping/>
+  </p:clrMapOvr>
+</p:sld>
+</file>
+
 <file path=ppt/slides/slide2.xml><?xml version="1.0" encoding="utf-8"?>
 <p:sld xmlns:a="http://schemas.openxmlformats.org/drawingml/2006/main" xmlns:r="http://schemas.openxmlformats.org/officeDocument/2006/relationships" xmlns:p="http://schemas.openxmlformats.org/presentationml/2006/main">
   <p:cSld>
@@ -6149,7 +6288,7 @@
           <a:p>
             <a:r>
               <a:rPr lang="en-GB" dirty="0" smtClean="0"/>
-              <a:t>Changes form last time</a:t>
+              <a:t>Tag Line				</a:t>
             </a:r>
             <a:endParaRPr lang="en-US" dirty="0"/>
           </a:p>
@@ -6172,43 +6311,51 @@
           <a:p>
             <a:r>
               <a:rPr lang="en-GB" dirty="0" smtClean="0"/>
-              <a:t>Changes that we have made include</a:t>
-            </a:r>
-            <a:r>
-              <a:rPr lang="en-US" dirty="0" smtClean="0"/>
-              <a:t>:</a:t>
-            </a:r>
-          </a:p>
-          <a:p>
-            <a:r>
-              <a:rPr lang="en-GB" dirty="0" smtClean="0"/>
-              <a:t>A coin system so that players can buy hints to help with the level.</a:t>
-            </a:r>
-          </a:p>
-          <a:p>
-            <a:r>
-              <a:rPr lang="en-GB" dirty="0" smtClean="0"/>
-              <a:t>Random letter generation that spaces out the letters and makes sure that none of them overlap.</a:t>
-            </a:r>
-          </a:p>
-          <a:p>
-            <a:r>
-              <a:rPr lang="en-GB" dirty="0" smtClean="0"/>
-              <a:t>We have added physics to a few of the letters so that they fly onto the screen.</a:t>
-            </a:r>
+              <a:t>Learning quest is a colourful playground adventure where even the sky isn’t the limit. Run and jump from swings to clouds picking up letters to spell words and progress </a:t>
+            </a:r>
+            <a:r>
+              <a:rPr lang="en-GB" smtClean="0"/>
+              <a:t>through levels.</a:t>
+            </a:r>
+            <a:endParaRPr lang="en-GB" dirty="0" smtClean="0"/>
+          </a:p>
+          <a:p>
+            <a:endParaRPr lang="en-GB" dirty="0"/>
+          </a:p>
+          <a:p>
+            <a:endParaRPr lang="en-GB" dirty="0" smtClean="0"/>
+          </a:p>
+          <a:p>
+            <a:endParaRPr lang="en-GB" dirty="0"/>
+          </a:p>
+          <a:p>
+            <a:endParaRPr lang="en-GB" dirty="0" smtClean="0"/>
+          </a:p>
+          <a:p>
+            <a:endParaRPr lang="en-GB" dirty="0"/>
+          </a:p>
+          <a:p>
+            <a:endParaRPr lang="en-US" dirty="0"/>
           </a:p>
         </p:txBody>
       </p:sp>
     </p:spTree>
     <p:extLst>
       <p:ext uri="{BB962C8B-B14F-4D97-AF65-F5344CB8AC3E}">
-        <p14:creationId xmlns:p14="http://schemas.microsoft.com/office/powerpoint/2010/main" val="3126662049"/>
+        <p14:creationId xmlns:p14="http://schemas.microsoft.com/office/powerpoint/2010/main" val="1696043134"/>
       </p:ext>
     </p:extLst>
   </p:cSld>
   <p:clrMapOvr>
     <a:masterClrMapping/>
   </p:clrMapOvr>
+  <p:timing>
+    <p:tnLst>
+      <p:par>
+        <p:cTn id="1" dur="indefinite" restart="never" nodeType="tmRoot"/>
+      </p:par>
+    </p:tnLst>
+  </p:timing>
 </p:sld>
 </file>
 
@@ -6246,7 +6393,7 @@
           <a:p>
             <a:r>
               <a:rPr lang="en-GB" dirty="0" smtClean="0"/>
-              <a:t>Gameplay </a:t>
+              <a:t>Changes form last time</a:t>
             </a:r>
             <a:endParaRPr lang="en-US" dirty="0"/>
           </a:p>
@@ -6269,45 +6416,43 @@
           <a:p>
             <a:r>
               <a:rPr lang="en-GB" dirty="0" smtClean="0"/>
-              <a:t>The aim of the game is to collect all of the letters on the screen in the correct order to make the word.</a:t>
+              <a:t>Changes that we have made include</a:t>
+            </a:r>
+            <a:r>
+              <a:rPr lang="en-US" dirty="0" smtClean="0"/>
+              <a:t>:</a:t>
             </a:r>
           </a:p>
           <a:p>
             <a:r>
               <a:rPr lang="en-GB" dirty="0" smtClean="0"/>
-              <a:t>Collected incorrect letters can be tapped to put them back into the world.</a:t>
+              <a:t>A coin system so that players can buy hints to help with the level.</a:t>
             </a:r>
           </a:p>
           <a:p>
             <a:r>
               <a:rPr lang="en-GB" dirty="0" smtClean="0"/>
-              <a:t>A level is complete when the word </a:t>
-            </a:r>
-            <a:r>
-              <a:rPr lang="en-GB" smtClean="0"/>
-              <a:t>is correctly spelled.</a:t>
-            </a:r>
-            <a:endParaRPr lang="en-US" dirty="0"/>
+              <a:t>Random letter generation that spaces out the letters and makes sure that none of them overlap.</a:t>
+            </a:r>
+          </a:p>
+          <a:p>
+            <a:r>
+              <a:rPr lang="en-GB" dirty="0" smtClean="0"/>
+              <a:t>We have added physics to a few of the letters so that they fly onto the screen.</a:t>
+            </a:r>
           </a:p>
         </p:txBody>
       </p:sp>
     </p:spTree>
     <p:extLst>
       <p:ext uri="{BB962C8B-B14F-4D97-AF65-F5344CB8AC3E}">
-        <p14:creationId xmlns:p14="http://schemas.microsoft.com/office/powerpoint/2010/main" val="931830881"/>
+        <p14:creationId xmlns:p14="http://schemas.microsoft.com/office/powerpoint/2010/main" val="3126662049"/>
       </p:ext>
     </p:extLst>
   </p:cSld>
   <p:clrMapOvr>
     <a:masterClrMapping/>
   </p:clrMapOvr>
-  <p:timing>
-    <p:tnLst>
-      <p:par>
-        <p:cTn id="1" dur="indefinite" restart="never" nodeType="tmRoot"/>
-      </p:par>
-    </p:tnLst>
-  </p:timing>
 </p:sld>
 </file>
 
@@ -6345,7 +6490,7 @@
           <a:p>
             <a:r>
               <a:rPr lang="en-GB" dirty="0" smtClean="0"/>
-              <a:t>Target Audience </a:t>
+              <a:t>Gameplay </a:t>
             </a:r>
             <a:endParaRPr lang="en-US" dirty="0"/>
           </a:p>
@@ -6366,6 +6511,26 @@
           <a:bodyPr/>
           <a:lstStyle/>
           <a:p>
+            <a:r>
+              <a:rPr lang="en-GB" dirty="0" smtClean="0"/>
+              <a:t>The aim of the game is to collect all of the letters on the screen in the correct order to make the word.</a:t>
+            </a:r>
+          </a:p>
+          <a:p>
+            <a:r>
+              <a:rPr lang="en-GB" dirty="0" smtClean="0"/>
+              <a:t>Collected incorrect letters can be tapped to put them back into the world.</a:t>
+            </a:r>
+          </a:p>
+          <a:p>
+            <a:r>
+              <a:rPr lang="en-GB" dirty="0" smtClean="0"/>
+              <a:t>A level is complete when the word </a:t>
+            </a:r>
+            <a:r>
+              <a:rPr lang="en-GB" smtClean="0"/>
+              <a:t>is correctly spelled.</a:t>
+            </a:r>
             <a:endParaRPr lang="en-US" dirty="0"/>
           </a:p>
         </p:txBody>
@@ -6373,7 +6538,7 @@
     </p:spTree>
     <p:extLst>
       <p:ext uri="{BB962C8B-B14F-4D97-AF65-F5344CB8AC3E}">
-        <p14:creationId xmlns:p14="http://schemas.microsoft.com/office/powerpoint/2010/main" val="3510166845"/>
+        <p14:creationId xmlns:p14="http://schemas.microsoft.com/office/powerpoint/2010/main" val="931830881"/>
       </p:ext>
     </p:extLst>
   </p:cSld>
@@ -6424,7 +6589,7 @@
           <a:p>
             <a:r>
               <a:rPr lang="en-GB" dirty="0" smtClean="0"/>
-              <a:t>Player Retention </a:t>
+              <a:t>Target Audience </a:t>
             </a:r>
             <a:endParaRPr lang="en-US" dirty="0"/>
           </a:p>
@@ -6445,24 +6610,14 @@
           <a:bodyPr/>
           <a:lstStyle/>
           <a:p>
-            <a:r>
-              <a:rPr lang="en-GB" dirty="0" smtClean="0"/>
-              <a:t>Daily rewards that will go up in value everyday. This will reset every 5 days unless the player doesn’t log in everyday.</a:t>
-            </a:r>
-          </a:p>
-          <a:p>
-            <a:r>
-              <a:rPr lang="en-GB" dirty="0" smtClean="0"/>
-              <a:t>These rewards will be our in-game currency starting with 10 coins on day 1 to 50 on day 5.</a:t>
-            </a:r>
-            <a:endParaRPr lang="en-GB" dirty="0"/>
+            <a:endParaRPr lang="en-US" dirty="0"/>
           </a:p>
         </p:txBody>
       </p:sp>
     </p:spTree>
     <p:extLst>
       <p:ext uri="{BB962C8B-B14F-4D97-AF65-F5344CB8AC3E}">
-        <p14:creationId xmlns:p14="http://schemas.microsoft.com/office/powerpoint/2010/main" val="2112287862"/>
+        <p14:creationId xmlns:p14="http://schemas.microsoft.com/office/powerpoint/2010/main" val="3510166845"/>
       </p:ext>
     </p:extLst>
   </p:cSld>
@@ -6513,7 +6668,7 @@
           <a:p>
             <a:r>
               <a:rPr lang="en-GB" dirty="0" smtClean="0"/>
-              <a:t>Play sessions  </a:t>
+              <a:t>Player Retention </a:t>
             </a:r>
             <a:endParaRPr lang="en-US" dirty="0"/>
           </a:p>
@@ -6534,14 +6689,24 @@
           <a:bodyPr/>
           <a:lstStyle/>
           <a:p>
-            <a:endParaRPr lang="en-US" dirty="0"/>
+            <a:r>
+              <a:rPr lang="en-GB" dirty="0" smtClean="0"/>
+              <a:t>Daily rewards that will go up in value everyday. This will reset every 5 days unless the player doesn’t log in everyday.</a:t>
+            </a:r>
+          </a:p>
+          <a:p>
+            <a:r>
+              <a:rPr lang="en-GB" dirty="0" smtClean="0"/>
+              <a:t>These rewards will be our in-game currency starting with 10 coins on day 1 to 50 on day 5.</a:t>
+            </a:r>
+            <a:endParaRPr lang="en-GB" dirty="0"/>
           </a:p>
         </p:txBody>
       </p:sp>
     </p:spTree>
     <p:extLst>
       <p:ext uri="{BB962C8B-B14F-4D97-AF65-F5344CB8AC3E}">
-        <p14:creationId xmlns:p14="http://schemas.microsoft.com/office/powerpoint/2010/main" val="4136485254"/>
+        <p14:creationId xmlns:p14="http://schemas.microsoft.com/office/powerpoint/2010/main" val="2112287862"/>
       </p:ext>
     </p:extLst>
   </p:cSld>
@@ -6592,7 +6757,7 @@
           <a:p>
             <a:r>
               <a:rPr lang="en-GB" dirty="0" smtClean="0"/>
-              <a:t>Micro transactions </a:t>
+              <a:t>Play sessions  </a:t>
             </a:r>
             <a:endParaRPr lang="en-US" dirty="0"/>
           </a:p>
@@ -6613,10 +6778,6 @@
           <a:bodyPr/>
           <a:lstStyle/>
           <a:p>
-            <a:r>
-              <a:rPr lang="en-GB" dirty="0" smtClean="0"/>
-              <a:t>Able to buy the in-game currency </a:t>
-            </a:r>
             <a:endParaRPr lang="en-US" dirty="0"/>
           </a:p>
         </p:txBody>
@@ -6624,7 +6785,7 @@
     </p:spTree>
     <p:extLst>
       <p:ext uri="{BB962C8B-B14F-4D97-AF65-F5344CB8AC3E}">
-        <p14:creationId xmlns:p14="http://schemas.microsoft.com/office/powerpoint/2010/main" val="1476801111"/>
+        <p14:creationId xmlns:p14="http://schemas.microsoft.com/office/powerpoint/2010/main" val="4136485254"/>
       </p:ext>
     </p:extLst>
   </p:cSld>
@@ -6675,7 +6836,7 @@
           <a:p>
             <a:r>
               <a:rPr lang="en-GB" dirty="0" smtClean="0"/>
-              <a:t>Adverts </a:t>
+              <a:t>Micro transactions </a:t>
             </a:r>
             <a:endParaRPr lang="en-US" dirty="0"/>
           </a:p>
@@ -6698,16 +6859,8 @@
           <a:p>
             <a:r>
               <a:rPr lang="en-GB" dirty="0" smtClean="0"/>
-              <a:t>After a couple of levels has been completed, a advert will pop up.</a:t>
-            </a:r>
-          </a:p>
-          <a:p>
-            <a:r>
-              <a:rPr lang="en-GB" dirty="0" smtClean="0"/>
-              <a:t>These can be removed with a one time purchase or if the player buys enough of the micro transactions.</a:t>
-            </a:r>
-          </a:p>
-          <a:p>
+              <a:t>Able to buy the in-game currency </a:t>
+            </a:r>
             <a:endParaRPr lang="en-US" dirty="0"/>
           </a:p>
         </p:txBody>
@@ -6715,7 +6868,7 @@
     </p:spTree>
     <p:extLst>
       <p:ext uri="{BB962C8B-B14F-4D97-AF65-F5344CB8AC3E}">
-        <p14:creationId xmlns:p14="http://schemas.microsoft.com/office/powerpoint/2010/main" val="93460885"/>
+        <p14:creationId xmlns:p14="http://schemas.microsoft.com/office/powerpoint/2010/main" val="1476801111"/>
       </p:ext>
     </p:extLst>
   </p:cSld>
@@ -6766,7 +6919,7 @@
           <a:p>
             <a:r>
               <a:rPr lang="en-GB" dirty="0" smtClean="0"/>
-              <a:t>Future </a:t>
+              <a:t>Adverts </a:t>
             </a:r>
             <a:endParaRPr lang="en-US" dirty="0"/>
           </a:p>
@@ -6789,67 +6942,13 @@
           <a:p>
             <a:r>
               <a:rPr lang="en-GB" dirty="0" smtClean="0"/>
-              <a:t>In the future we plan to ship the following updates to Learning Quest:</a:t>
-            </a:r>
-          </a:p>
-          <a:p>
-            <a:pPr>
-              <a:buFont typeface="Wingdings" panose="05000000000000000000" pitchFamily="2" charset="2"/>
-              <a:buChar char="§"/>
-            </a:pPr>
+              <a:t>After a couple of levels has been completed, a advert will pop up.</a:t>
+            </a:r>
+          </a:p>
+          <a:p>
             <a:r>
               <a:rPr lang="en-GB" dirty="0" smtClean="0"/>
-              <a:t>Extra character skins, some of which can be micro transactions</a:t>
-            </a:r>
-          </a:p>
-          <a:p>
-            <a:pPr>
-              <a:buFont typeface="Wingdings" panose="05000000000000000000" pitchFamily="2" charset="2"/>
-              <a:buChar char="§"/>
-            </a:pPr>
-            <a:r>
-              <a:rPr lang="en-GB" dirty="0" smtClean="0"/>
-              <a:t>More levels with different challenges and environments</a:t>
-            </a:r>
-          </a:p>
-          <a:p>
-            <a:pPr>
-              <a:buFont typeface="Wingdings" panose="05000000000000000000" pitchFamily="2" charset="2"/>
-              <a:buChar char="§"/>
-            </a:pPr>
-            <a:r>
-              <a:rPr lang="en-GB" dirty="0" smtClean="0"/>
-              <a:t>Seasonal events with limited skins and environments</a:t>
-            </a:r>
-          </a:p>
-          <a:p>
-            <a:pPr>
-              <a:buFont typeface="Wingdings" panose="05000000000000000000" pitchFamily="2" charset="2"/>
-              <a:buChar char="§"/>
-            </a:pPr>
-            <a:r>
-              <a:rPr lang="en-GB" dirty="0" smtClean="0"/>
-              <a:t>Graphical Improvements</a:t>
-            </a:r>
-          </a:p>
-          <a:p>
-            <a:pPr>
-              <a:buFont typeface="Wingdings" panose="05000000000000000000" pitchFamily="2" charset="2"/>
-              <a:buChar char="§"/>
-            </a:pPr>
-            <a:r>
-              <a:rPr lang="en-GB" dirty="0" smtClean="0"/>
-              <a:t>Better support for tablet devices</a:t>
-            </a:r>
-          </a:p>
-          <a:p>
-            <a:pPr>
-              <a:buFont typeface="Wingdings" panose="05000000000000000000" pitchFamily="2" charset="2"/>
-              <a:buChar char="§"/>
-            </a:pPr>
-            <a:r>
-              <a:rPr lang="en-GB" dirty="0" smtClean="0"/>
-              <a:t>Different subjects to add more variance, e.g. a maths set of levels to add more learning capabilities.  </a:t>
+              <a:t>These can be removed with a one time purchase or if the player buys enough of the micro transactions.</a:t>
             </a:r>
           </a:p>
           <a:p>
@@ -6860,13 +6959,20 @@
     </p:spTree>
     <p:extLst>
       <p:ext uri="{BB962C8B-B14F-4D97-AF65-F5344CB8AC3E}">
-        <p14:creationId xmlns:p14="http://schemas.microsoft.com/office/powerpoint/2010/main" val="584102872"/>
+        <p14:creationId xmlns:p14="http://schemas.microsoft.com/office/powerpoint/2010/main" val="93460885"/>
       </p:ext>
     </p:extLst>
   </p:cSld>
   <p:clrMapOvr>
     <a:masterClrMapping/>
   </p:clrMapOvr>
+  <p:timing>
+    <p:tnLst>
+      <p:par>
+        <p:cTn id="1" dur="indefinite" restart="never" nodeType="tmRoot"/>
+      </p:par>
+    </p:tnLst>
+  </p:timing>
 </p:sld>
 </file>
 

--- a/tgp powerpoint.pptx
+++ b/tgp powerpoint.pptx
@@ -6078,7 +6078,7 @@
           <a:p>
             <a:r>
               <a:rPr lang="en-GB" dirty="0" smtClean="0"/>
-              <a:t>Learning quest </a:t>
+              <a:t>Learning Quest </a:t>
             </a:r>
             <a:endParaRPr lang="en-US" dirty="0"/>
           </a:p>
@@ -6288,7 +6288,7 @@
           <a:p>
             <a:r>
               <a:rPr lang="en-GB" dirty="0" smtClean="0"/>
-              <a:t>Tag Line				</a:t>
+              <a:t>Tag Line</a:t>
             </a:r>
             <a:endParaRPr lang="en-US" dirty="0"/>
           </a:p>
@@ -6310,52 +6310,68 @@
           <a:lstStyle/>
           <a:p>
             <a:r>
+              <a:rPr lang="en-GB" dirty="0"/>
+              <a:t>Learning </a:t>
+            </a:r>
+            <a:r>
               <a:rPr lang="en-GB" dirty="0" smtClean="0"/>
-              <a:t>Learning quest is a colourful playground adventure where even the sky isn’t the limit. Run and jump from swings to clouds picking up letters to spell words and progress </a:t>
+              <a:t>Quest </a:t>
+            </a:r>
+            <a:r>
+              <a:rPr lang="en-GB" dirty="0"/>
+              <a:t>is a colourful playground adventure where even the sky isn’t the </a:t>
+            </a:r>
+            <a:r>
+              <a:rPr lang="en-GB" dirty="0" smtClean="0"/>
+              <a:t>limit. </a:t>
             </a:r>
             <a:r>
               <a:rPr lang="en-GB" smtClean="0"/>
-              <a:t>through levels.</a:t>
-            </a:r>
-            <a:endParaRPr lang="en-GB" dirty="0" smtClean="0"/>
-          </a:p>
-          <a:p>
-            <a:endParaRPr lang="en-GB" dirty="0"/>
-          </a:p>
-          <a:p>
-            <a:endParaRPr lang="en-GB" dirty="0" smtClean="0"/>
-          </a:p>
-          <a:p>
-            <a:endParaRPr lang="en-GB" dirty="0"/>
-          </a:p>
-          <a:p>
-            <a:endParaRPr lang="en-GB" dirty="0" smtClean="0"/>
-          </a:p>
-          <a:p>
-            <a:endParaRPr lang="en-GB" dirty="0"/>
+              <a:t>Run </a:t>
+            </a:r>
+            <a:r>
+              <a:rPr lang="en-GB" dirty="0"/>
+              <a:t>and jump from swings to clouds picking up letters to spell words and progress through levels.</a:t>
+            </a:r>
           </a:p>
           <a:p>
             <a:endParaRPr lang="en-US" dirty="0"/>
           </a:p>
         </p:txBody>
       </p:sp>
+      <p:pic>
+        <p:nvPicPr>
+          <p:cNvPr id="4" name="Picture 3"/>
+          <p:cNvPicPr>
+            <a:picLocks noChangeAspect="1"/>
+          </p:cNvPicPr>
+          <p:nvPr/>
+        </p:nvPicPr>
+        <p:blipFill rotWithShape="1">
+          <a:blip r:embed="rId2"/>
+          <a:srcRect t="6536" b="78488"/>
+          <a:stretch/>
+        </p:blipFill>
+        <p:spPr>
+          <a:xfrm>
+            <a:off x="6014258" y="3433155"/>
+            <a:ext cx="4193772" cy="1170671"/>
+          </a:xfrm>
+          <a:prstGeom prst="rect">
+            <a:avLst/>
+          </a:prstGeom>
+        </p:spPr>
+      </p:pic>
     </p:spTree>
     <p:extLst>
       <p:ext uri="{BB962C8B-B14F-4D97-AF65-F5344CB8AC3E}">
-        <p14:creationId xmlns:p14="http://schemas.microsoft.com/office/powerpoint/2010/main" val="1696043134"/>
+        <p14:creationId xmlns:p14="http://schemas.microsoft.com/office/powerpoint/2010/main" val="2978225990"/>
       </p:ext>
     </p:extLst>
   </p:cSld>
   <p:clrMapOvr>
     <a:masterClrMapping/>
   </p:clrMapOvr>
-  <p:timing>
-    <p:tnLst>
-      <p:par>
-        <p:cTn id="1" dur="indefinite" restart="never" nodeType="tmRoot"/>
-      </p:par>
-    </p:tnLst>
-  </p:timing>
 </p:sld>
 </file>
 
@@ -6393,7 +6409,7 @@
           <a:p>
             <a:r>
               <a:rPr lang="en-GB" dirty="0" smtClean="0"/>
-              <a:t>Changes form last time</a:t>
+              <a:t>Changes from last time</a:t>
             </a:r>
             <a:endParaRPr lang="en-US" dirty="0"/>
           </a:p>
@@ -6535,6 +6551,30 @@
           </a:p>
         </p:txBody>
       </p:sp>
+      <p:pic>
+        <p:nvPicPr>
+          <p:cNvPr id="4" name="Picture 3"/>
+          <p:cNvPicPr>
+            <a:picLocks noChangeAspect="1"/>
+          </p:cNvPicPr>
+          <p:nvPr/>
+        </p:nvPicPr>
+        <p:blipFill>
+          <a:blip r:embed="rId2"/>
+          <a:stretch>
+            <a:fillRect/>
+          </a:stretch>
+        </p:blipFill>
+        <p:spPr>
+          <a:xfrm>
+            <a:off x="9668948" y="2385753"/>
+            <a:ext cx="2301199" cy="4289367"/>
+          </a:xfrm>
+          <a:prstGeom prst="rect">
+            <a:avLst/>
+          </a:prstGeom>
+        </p:spPr>
+      </p:pic>
     </p:spTree>
     <p:extLst>
       <p:ext uri="{BB962C8B-B14F-4D97-AF65-F5344CB8AC3E}">
@@ -6610,10 +6650,56 @@
           <a:bodyPr/>
           <a:lstStyle/>
           <a:p>
+            <a:r>
+              <a:rPr lang="en-GB" dirty="0" smtClean="0"/>
+              <a:t>Children aged 5-8</a:t>
+            </a:r>
+          </a:p>
+          <a:p>
+            <a:r>
+              <a:rPr lang="en-GB" dirty="0" smtClean="0"/>
+              <a:t>Bright, colourful backgrounds</a:t>
+            </a:r>
+          </a:p>
+          <a:p>
+            <a:r>
+              <a:rPr lang="en-GB" dirty="0" smtClean="0"/>
+              <a:t>Age appropriate words to find</a:t>
+            </a:r>
+          </a:p>
+          <a:p>
+            <a:r>
+              <a:rPr lang="en-GB" dirty="0" smtClean="0"/>
+              <a:t>Appropriately worded hints</a:t>
+            </a:r>
             <a:endParaRPr lang="en-US" dirty="0"/>
           </a:p>
         </p:txBody>
       </p:sp>
+      <p:pic>
+        <p:nvPicPr>
+          <p:cNvPr id="4" name="Picture 3"/>
+          <p:cNvPicPr>
+            <a:picLocks noChangeAspect="1"/>
+          </p:cNvPicPr>
+          <p:nvPr/>
+        </p:nvPicPr>
+        <p:blipFill>
+          <a:blip r:embed="rId2"/>
+          <a:stretch>
+            <a:fillRect/>
+          </a:stretch>
+        </p:blipFill>
+        <p:spPr>
+          <a:xfrm>
+            <a:off x="5772002" y="2594091"/>
+            <a:ext cx="6152843" cy="4103118"/>
+          </a:xfrm>
+          <a:prstGeom prst="rect">
+            <a:avLst/>
+          </a:prstGeom>
+        </p:spPr>
+      </p:pic>
     </p:spTree>
     <p:extLst>
       <p:ext uri="{BB962C8B-B14F-4D97-AF65-F5344CB8AC3E}">
@@ -6778,6 +6864,16 @@
           <a:bodyPr/>
           <a:lstStyle/>
           <a:p>
+            <a:r>
+              <a:rPr lang="en-GB" dirty="0" smtClean="0"/>
+              <a:t>The average play session of Learning Quest is likely to be 5-10 minutes as players will want to sign in daily to collect their daily rewards, and then they will hopefully stick around to play a few levels.</a:t>
+            </a:r>
+          </a:p>
+          <a:p>
+            <a:r>
+              <a:rPr lang="en-GB" dirty="0" smtClean="0"/>
+              <a:t>Players will also be attracted to the mentally challenging aspect of the game.</a:t>
+            </a:r>
             <a:endParaRPr lang="en-US" dirty="0"/>
           </a:p>
         </p:txBody>
@@ -6859,12 +6955,48 @@
           <a:p>
             <a:r>
               <a:rPr lang="en-GB" dirty="0" smtClean="0"/>
-              <a:t>Able to buy the in-game currency </a:t>
+              <a:t>Able to buy the in-game currency.</a:t>
+            </a:r>
+          </a:p>
+          <a:p>
+            <a:r>
+              <a:rPr lang="en-GB" dirty="0" smtClean="0"/>
+              <a:t>For more money, players can get better deals on the in-game currency.</a:t>
+            </a:r>
+          </a:p>
+          <a:p>
+            <a:r>
+              <a:rPr lang="en-GB" dirty="0" smtClean="0"/>
+              <a:t>At the start of the game, players will be given a small amount of in-game currency to play with which will hopefully entice them into buying more. </a:t>
             </a:r>
             <a:endParaRPr lang="en-US" dirty="0"/>
           </a:p>
         </p:txBody>
       </p:sp>
+      <p:pic>
+        <p:nvPicPr>
+          <p:cNvPr id="4" name="Picture 3"/>
+          <p:cNvPicPr>
+            <a:picLocks noChangeAspect="1"/>
+          </p:cNvPicPr>
+          <p:nvPr/>
+        </p:nvPicPr>
+        <p:blipFill>
+          <a:blip r:embed="rId2"/>
+          <a:stretch>
+            <a:fillRect/>
+          </a:stretch>
+        </p:blipFill>
+        <p:spPr>
+          <a:xfrm>
+            <a:off x="5160711" y="3912522"/>
+            <a:ext cx="4889142" cy="2750142"/>
+          </a:xfrm>
+          <a:prstGeom prst="rect">
+            <a:avLst/>
+          </a:prstGeom>
+        </p:spPr>
+      </p:pic>
     </p:spTree>
     <p:extLst>
       <p:ext uri="{BB962C8B-B14F-4D97-AF65-F5344CB8AC3E}">
@@ -6942,7 +7074,7 @@
           <a:p>
             <a:r>
               <a:rPr lang="en-GB" dirty="0" smtClean="0"/>
-              <a:t>After a couple of levels has been completed, a advert will pop up.</a:t>
+              <a:t>After a couple of levels has been completed, an advert will pop up.</a:t>
             </a:r>
           </a:p>
           <a:p>
@@ -6956,6 +7088,29 @@
           </a:p>
         </p:txBody>
       </p:sp>
+      <p:pic>
+        <p:nvPicPr>
+          <p:cNvPr id="4" name="Picture 3"/>
+          <p:cNvPicPr>
+            <a:picLocks noChangeAspect="1"/>
+          </p:cNvPicPr>
+          <p:nvPr/>
+        </p:nvPicPr>
+        <p:blipFill rotWithShape="1">
+          <a:blip r:embed="rId2"/>
+          <a:srcRect l="10873" t="19376" r="10800" b="14955"/>
+          <a:stretch/>
+        </p:blipFill>
+        <p:spPr>
+          <a:xfrm>
+            <a:off x="9434945" y="2797987"/>
+            <a:ext cx="2635134" cy="3927010"/>
+          </a:xfrm>
+          <a:prstGeom prst="rect">
+            <a:avLst/>
+          </a:prstGeom>
+        </p:spPr>
+      </p:pic>
     </p:spTree>
     <p:extLst>
       <p:ext uri="{BB962C8B-B14F-4D97-AF65-F5344CB8AC3E}">
